--- a/HC_DB_Analyses/HC_DB_Numbers_Reversed/SDprox1PoolSchematic_init.pptx
+++ b/HC_DB_Analyses/HC_DB_Numbers_Reversed/SDprox1PoolSchematic_init.pptx
@@ -243,7 +243,7 @@
           <a:p>
             <a:fld id="{13B4EEC1-59A0-6147-A616-EE74AE21FFF0}" type="datetimeFigureOut">
               <a:rPr lang="en-US" smtClean="0"/>
-              <a:t>8/24/17</a:t>
+              <a:t>10/21/17</a:t>
             </a:fld>
             <a:endParaRPr lang="en-US"/>
           </a:p>
@@ -408,7 +408,7 @@
           <a:p>
             <a:fld id="{13B4EEC1-59A0-6147-A616-EE74AE21FFF0}" type="datetimeFigureOut">
               <a:rPr lang="en-US" smtClean="0"/>
-              <a:t>8/24/17</a:t>
+              <a:t>10/21/17</a:t>
             </a:fld>
             <a:endParaRPr lang="en-US"/>
           </a:p>
@@ -583,7 +583,7 @@
           <a:p>
             <a:fld id="{13B4EEC1-59A0-6147-A616-EE74AE21FFF0}" type="datetimeFigureOut">
               <a:rPr lang="en-US" smtClean="0"/>
-              <a:t>8/24/17</a:t>
+              <a:t>10/21/17</a:t>
             </a:fld>
             <a:endParaRPr lang="en-US"/>
           </a:p>
@@ -748,7 +748,7 @@
           <a:p>
             <a:fld id="{13B4EEC1-59A0-6147-A616-EE74AE21FFF0}" type="datetimeFigureOut">
               <a:rPr lang="en-US" smtClean="0"/>
-              <a:t>8/24/17</a:t>
+              <a:t>10/21/17</a:t>
             </a:fld>
             <a:endParaRPr lang="en-US"/>
           </a:p>
@@ -987,7 +987,7 @@
           <a:p>
             <a:fld id="{13B4EEC1-59A0-6147-A616-EE74AE21FFF0}" type="datetimeFigureOut">
               <a:rPr lang="en-US" smtClean="0"/>
-              <a:t>8/24/17</a:t>
+              <a:t>10/21/17</a:t>
             </a:fld>
             <a:endParaRPr lang="en-US"/>
           </a:p>
@@ -1214,7 +1214,7 @@
           <a:p>
             <a:fld id="{13B4EEC1-59A0-6147-A616-EE74AE21FFF0}" type="datetimeFigureOut">
               <a:rPr lang="en-US" smtClean="0"/>
-              <a:t>8/24/17</a:t>
+              <a:t>10/21/17</a:t>
             </a:fld>
             <a:endParaRPr lang="en-US"/>
           </a:p>
@@ -1576,7 +1576,7 @@
           <a:p>
             <a:fld id="{13B4EEC1-59A0-6147-A616-EE74AE21FFF0}" type="datetimeFigureOut">
               <a:rPr lang="en-US" smtClean="0"/>
-              <a:t>8/24/17</a:t>
+              <a:t>10/21/17</a:t>
             </a:fld>
             <a:endParaRPr lang="en-US"/>
           </a:p>
@@ -1689,7 +1689,7 @@
           <a:p>
             <a:fld id="{13B4EEC1-59A0-6147-A616-EE74AE21FFF0}" type="datetimeFigureOut">
               <a:rPr lang="en-US" smtClean="0"/>
-              <a:t>8/24/17</a:t>
+              <a:t>10/21/17</a:t>
             </a:fld>
             <a:endParaRPr lang="en-US"/>
           </a:p>
@@ -1779,7 +1779,7 @@
           <a:p>
             <a:fld id="{13B4EEC1-59A0-6147-A616-EE74AE21FFF0}" type="datetimeFigureOut">
               <a:rPr lang="en-US" smtClean="0"/>
-              <a:t>8/24/17</a:t>
+              <a:t>10/21/17</a:t>
             </a:fld>
             <a:endParaRPr lang="en-US"/>
           </a:p>
@@ -2051,7 +2051,7 @@
           <a:p>
             <a:fld id="{13B4EEC1-59A0-6147-A616-EE74AE21FFF0}" type="datetimeFigureOut">
               <a:rPr lang="en-US" smtClean="0"/>
-              <a:t>8/24/17</a:t>
+              <a:t>10/21/17</a:t>
             </a:fld>
             <a:endParaRPr lang="en-US"/>
           </a:p>
@@ -2303,7 +2303,7 @@
           <a:p>
             <a:fld id="{13B4EEC1-59A0-6147-A616-EE74AE21FFF0}" type="datetimeFigureOut">
               <a:rPr lang="en-US" smtClean="0"/>
-              <a:t>8/24/17</a:t>
+              <a:t>10/21/17</a:t>
             </a:fld>
             <a:endParaRPr lang="en-US"/>
           </a:p>
@@ -2511,7 +2511,7 @@
           <a:p>
             <a:fld id="{13B4EEC1-59A0-6147-A616-EE74AE21FFF0}" type="datetimeFigureOut">
               <a:rPr lang="en-US" smtClean="0"/>
-              <a:t>8/24/17</a:t>
+              <a:t>10/21/17</a:t>
             </a:fld>
             <a:endParaRPr lang="en-US"/>
           </a:p>
@@ -3865,7 +3865,7 @@
         <p:spPr>
           <a:xfrm>
             <a:off x="8266464" y="3449800"/>
-            <a:ext cx="5565498" cy="2308324"/>
+            <a:ext cx="5565498" cy="3046988"/>
           </a:xfrm>
           <a:prstGeom prst="rect">
             <a:avLst/>
@@ -3895,7 +3895,18 @@
             <a:pPr algn="ctr"/>
             <a:r>
               <a:rPr lang="en-US" sz="4800" b="1" dirty="0" smtClean="0"/>
-              <a:t>0 Models</a:t>
+              <a:t>0 </a:t>
+            </a:r>
+            <a:r>
+              <a:rPr lang="en-US" sz="4800" b="1" dirty="0" smtClean="0"/>
+              <a:t>Models</a:t>
+            </a:r>
+          </a:p>
+          <a:p>
+            <a:pPr algn="ctr"/>
+            <a:r>
+              <a:rPr lang="en-US" sz="4800" b="1" dirty="0" smtClean="0"/>
+              <a:t>LNI_HNE_HIS_HES</a:t>
             </a:r>
             <a:endParaRPr lang="en-US" sz="4800" b="1" dirty="0"/>
           </a:p>
@@ -3910,7 +3921,7 @@
         <p:spPr>
           <a:xfrm>
             <a:off x="8154387" y="10199800"/>
-            <a:ext cx="5537157" cy="2308324"/>
+            <a:ext cx="5537157" cy="3046988"/>
           </a:xfrm>
           <a:prstGeom prst="rect">
             <a:avLst/>
@@ -3950,7 +3961,18 @@
             <a:pPr algn="ctr"/>
             <a:r>
               <a:rPr lang="en-US" sz="4800" b="1" dirty="0" smtClean="0"/>
-              <a:t>1708 Models</a:t>
+              <a:t>1708 </a:t>
+            </a:r>
+            <a:r>
+              <a:rPr lang="en-US" sz="4800" b="1" dirty="0" smtClean="0"/>
+              <a:t>Models</a:t>
+            </a:r>
+          </a:p>
+          <a:p>
+            <a:pPr algn="ctr"/>
+            <a:r>
+              <a:rPr lang="en-US" sz="4800" b="1" dirty="0" smtClean="0"/>
+              <a:t>LNI_HNE_HIS_LES</a:t>
             </a:r>
             <a:endParaRPr lang="en-US" sz="4800" b="1" dirty="0"/>
           </a:p>
@@ -3965,7 +3987,7 @@
         <p:spPr>
           <a:xfrm>
             <a:off x="1555386" y="10199800"/>
-            <a:ext cx="5452647" cy="2308324"/>
+            <a:ext cx="5452647" cy="3046988"/>
           </a:xfrm>
           <a:prstGeom prst="rect">
             <a:avLst/>
@@ -4005,7 +4027,18 @@
             <a:pPr algn="ctr"/>
             <a:r>
               <a:rPr lang="en-US" sz="4800" b="1" dirty="0" smtClean="0"/>
-              <a:t>71 Models</a:t>
+              <a:t>71 </a:t>
+            </a:r>
+            <a:r>
+              <a:rPr lang="en-US" sz="4800" b="1" dirty="0" smtClean="0"/>
+              <a:t>Models</a:t>
+            </a:r>
+          </a:p>
+          <a:p>
+            <a:pPr algn="ctr"/>
+            <a:r>
+              <a:rPr lang="en-US" sz="4800" b="1" dirty="0" smtClean="0"/>
+              <a:t>LNI_HNE_LIS_LES</a:t>
             </a:r>
             <a:endParaRPr lang="en-US" sz="4800" b="1" dirty="0"/>
           </a:p>
@@ -4020,7 +4053,7 @@
         <p:spPr>
           <a:xfrm>
             <a:off x="1540612" y="3485660"/>
-            <a:ext cx="5565498" cy="2308324"/>
+            <a:ext cx="5565498" cy="3046988"/>
           </a:xfrm>
           <a:prstGeom prst="rect">
             <a:avLst/>
@@ -4050,7 +4083,18 @@
             <a:pPr algn="ctr"/>
             <a:r>
               <a:rPr lang="en-US" sz="4800" b="1" dirty="0" smtClean="0"/>
-              <a:t>0 Models</a:t>
+              <a:t>0 </a:t>
+            </a:r>
+            <a:r>
+              <a:rPr lang="en-US" sz="4800" b="1" dirty="0" smtClean="0"/>
+              <a:t>Models</a:t>
+            </a:r>
+          </a:p>
+          <a:p>
+            <a:pPr algn="ctr"/>
+            <a:r>
+              <a:rPr lang="en-US" sz="4800" b="1" dirty="0" smtClean="0"/>
+              <a:t>LNI_HNE_LIS_HES</a:t>
             </a:r>
             <a:endParaRPr lang="en-US" sz="4800" b="1" dirty="0"/>
           </a:p>
@@ -4065,7 +4109,7 @@
         <p:spPr>
           <a:xfrm>
             <a:off x="21840461" y="3485660"/>
-            <a:ext cx="5565498" cy="2308324"/>
+            <a:ext cx="5565498" cy="3046988"/>
           </a:xfrm>
           <a:prstGeom prst="rect">
             <a:avLst/>
@@ -4095,7 +4139,18 @@
             <a:pPr algn="ctr"/>
             <a:r>
               <a:rPr lang="en-US" sz="4800" b="1" dirty="0" smtClean="0"/>
-              <a:t>289 Models</a:t>
+              <a:t>289 </a:t>
+            </a:r>
+            <a:r>
+              <a:rPr lang="en-US" sz="4800" b="1" dirty="0" smtClean="0"/>
+              <a:t>Models</a:t>
+            </a:r>
+          </a:p>
+          <a:p>
+            <a:pPr algn="ctr"/>
+            <a:r>
+              <a:rPr lang="en-US" sz="4800" b="1" dirty="0" smtClean="0"/>
+              <a:t>HNI_HNE_HIS_HES</a:t>
             </a:r>
             <a:endParaRPr lang="en-US" sz="4800" b="1" dirty="0"/>
           </a:p>
@@ -4110,7 +4165,7 @@
         <p:spPr>
           <a:xfrm>
             <a:off x="21728384" y="10235660"/>
-            <a:ext cx="5537157" cy="2308324"/>
+            <a:ext cx="5537157" cy="3046988"/>
           </a:xfrm>
           <a:prstGeom prst="rect">
             <a:avLst/>
@@ -4150,7 +4205,18 @@
             <a:pPr algn="ctr"/>
             <a:r>
               <a:rPr lang="en-US" sz="4800" b="1" dirty="0" smtClean="0"/>
-              <a:t>6458 Models</a:t>
+              <a:t>6458 </a:t>
+            </a:r>
+            <a:r>
+              <a:rPr lang="en-US" sz="4800" b="1" dirty="0" smtClean="0"/>
+              <a:t>Models</a:t>
+            </a:r>
+          </a:p>
+          <a:p>
+            <a:pPr algn="ctr"/>
+            <a:r>
+              <a:rPr lang="en-US" sz="4800" b="1" dirty="0" smtClean="0"/>
+              <a:t>HNI_HNE_HIS_LES</a:t>
             </a:r>
             <a:endParaRPr lang="en-US" sz="4800" b="1" dirty="0"/>
           </a:p>
@@ -4165,7 +4231,7 @@
         <p:spPr>
           <a:xfrm>
             <a:off x="15129383" y="10235660"/>
-            <a:ext cx="5452647" cy="2308324"/>
+            <a:ext cx="5452647" cy="3046988"/>
           </a:xfrm>
           <a:prstGeom prst="rect">
             <a:avLst/>
@@ -4205,7 +4271,18 @@
             <a:pPr algn="ctr"/>
             <a:r>
               <a:rPr lang="en-US" sz="4800" b="1" dirty="0" smtClean="0"/>
-              <a:t>2275 Models</a:t>
+              <a:t>2275 </a:t>
+            </a:r>
+            <a:r>
+              <a:rPr lang="en-US" sz="4800" b="1" dirty="0" smtClean="0"/>
+              <a:t>Models</a:t>
+            </a:r>
+          </a:p>
+          <a:p>
+            <a:pPr algn="ctr"/>
+            <a:r>
+              <a:rPr lang="en-US" sz="4800" b="1" dirty="0" smtClean="0"/>
+              <a:t>HNI_HNE_LIS_LES</a:t>
             </a:r>
             <a:endParaRPr lang="en-US" sz="4800" b="1" dirty="0"/>
           </a:p>
@@ -4220,7 +4297,7 @@
         <p:spPr>
           <a:xfrm>
             <a:off x="15114609" y="3521520"/>
-            <a:ext cx="5565498" cy="2308324"/>
+            <a:ext cx="5565498" cy="3046988"/>
           </a:xfrm>
           <a:prstGeom prst="rect">
             <a:avLst/>
@@ -4250,7 +4327,18 @@
             <a:pPr algn="ctr"/>
             <a:r>
               <a:rPr lang="en-US" sz="4800" b="1" dirty="0" smtClean="0"/>
-              <a:t>0 Models</a:t>
+              <a:t>0 </a:t>
+            </a:r>
+            <a:r>
+              <a:rPr lang="en-US" sz="4800" b="1" dirty="0" smtClean="0"/>
+              <a:t>Models</a:t>
+            </a:r>
+          </a:p>
+          <a:p>
+            <a:pPr algn="ctr"/>
+            <a:r>
+              <a:rPr lang="en-US" sz="4800" b="1" dirty="0" smtClean="0"/>
+              <a:t>HNI_HNE_LIS_HES</a:t>
             </a:r>
             <a:endParaRPr lang="en-US" sz="4800" b="1" dirty="0"/>
           </a:p>
@@ -4265,7 +4353,7 @@
         <p:spPr>
           <a:xfrm>
             <a:off x="8249385" y="16804193"/>
-            <a:ext cx="5565498" cy="2308324"/>
+            <a:ext cx="5565498" cy="3046988"/>
           </a:xfrm>
           <a:prstGeom prst="rect">
             <a:avLst/>
@@ -4305,8 +4393,20 @@
             <a:pPr algn="ctr"/>
             <a:r>
               <a:rPr lang="en-US" sz="4800" b="1" dirty="0"/>
-              <a:t>1993 Models</a:t>
-            </a:r>
+              <a:t>1993 </a:t>
+            </a:r>
+            <a:r>
+              <a:rPr lang="en-US" sz="4800" b="1" dirty="0" smtClean="0"/>
+              <a:t>Models</a:t>
+            </a:r>
+          </a:p>
+          <a:p>
+            <a:pPr algn="ctr"/>
+            <a:r>
+              <a:rPr lang="en-US" sz="4800" b="1" dirty="0" smtClean="0"/>
+              <a:t>LNI_LNE_HIS_HES</a:t>
+            </a:r>
+            <a:endParaRPr lang="en-US" sz="4800" b="1" dirty="0"/>
           </a:p>
         </p:txBody>
       </p:sp>
@@ -4319,7 +4419,7 @@
         <p:spPr>
           <a:xfrm>
             <a:off x="8137308" y="23554193"/>
-            <a:ext cx="5537157" cy="2308324"/>
+            <a:ext cx="5537157" cy="3046988"/>
           </a:xfrm>
           <a:prstGeom prst="rect">
             <a:avLst/>
@@ -4358,9 +4458,17 @@
           <a:p>
             <a:pPr algn="ctr"/>
             <a:r>
-              <a:rPr lang="en-US" sz="4800" b="1" dirty="0"/>
+              <a:rPr lang="en-US" sz="4800" b="1" dirty="0" smtClean="0"/>
               <a:t>4838 Models</a:t>
             </a:r>
+          </a:p>
+          <a:p>
+            <a:pPr algn="ctr"/>
+            <a:r>
+              <a:rPr lang="en-US" sz="4800" b="1" dirty="0" smtClean="0"/>
+              <a:t>LNI_LNE_HIS_LES</a:t>
+            </a:r>
+            <a:endParaRPr lang="en-US" sz="4800" b="1" dirty="0"/>
           </a:p>
         </p:txBody>
       </p:sp>
@@ -4373,7 +4481,7 @@
         <p:spPr>
           <a:xfrm>
             <a:off x="1538307" y="23554193"/>
-            <a:ext cx="5452647" cy="2308324"/>
+            <a:ext cx="5452647" cy="3046988"/>
           </a:xfrm>
           <a:prstGeom prst="rect">
             <a:avLst/>
@@ -4413,7 +4521,18 @@
             <a:pPr algn="ctr"/>
             <a:r>
               <a:rPr lang="en-US" sz="4800" b="1" dirty="0" smtClean="0"/>
-              <a:t>3648 Models</a:t>
+              <a:t>3648 </a:t>
+            </a:r>
+            <a:r>
+              <a:rPr lang="en-US" sz="4800" b="1" dirty="0" smtClean="0"/>
+              <a:t>Models</a:t>
+            </a:r>
+          </a:p>
+          <a:p>
+            <a:pPr algn="ctr"/>
+            <a:r>
+              <a:rPr lang="en-US" sz="4800" b="1" dirty="0" smtClean="0"/>
+              <a:t>LNI_LNE_LIS_LES</a:t>
             </a:r>
             <a:endParaRPr lang="en-US" sz="4800" b="1" dirty="0"/>
           </a:p>
@@ -4428,7 +4547,7 @@
         <p:spPr>
           <a:xfrm>
             <a:off x="1523533" y="16840053"/>
-            <a:ext cx="5565498" cy="2308324"/>
+            <a:ext cx="5565498" cy="3046988"/>
           </a:xfrm>
           <a:prstGeom prst="rect">
             <a:avLst/>
@@ -4468,8 +4587,20 @@
             <a:pPr algn="ctr"/>
             <a:r>
               <a:rPr lang="en-US" sz="4800" b="1" dirty="0"/>
-              <a:t>1257 Models</a:t>
-            </a:r>
+              <a:t>1257 </a:t>
+            </a:r>
+            <a:r>
+              <a:rPr lang="en-US" sz="4800" b="1" dirty="0" smtClean="0"/>
+              <a:t>Models</a:t>
+            </a:r>
+          </a:p>
+          <a:p>
+            <a:pPr algn="ctr"/>
+            <a:r>
+              <a:rPr lang="en-US" sz="4800" b="1" dirty="0" smtClean="0"/>
+              <a:t>LNI_LNE_LIS_HES</a:t>
+            </a:r>
+            <a:endParaRPr lang="en-US" sz="4800" b="1" dirty="0"/>
           </a:p>
         </p:txBody>
       </p:sp>
@@ -4482,7 +4613,7 @@
         <p:spPr>
           <a:xfrm>
             <a:off x="21738111" y="16804193"/>
-            <a:ext cx="5565498" cy="2308324"/>
+            <a:ext cx="5565498" cy="3046988"/>
           </a:xfrm>
           <a:prstGeom prst="rect">
             <a:avLst/>
@@ -4522,8 +4653,20 @@
             <a:pPr algn="ctr"/>
             <a:r>
               <a:rPr lang="en-US" sz="4800" b="1" dirty="0"/>
-              <a:t>4873 Models</a:t>
-            </a:r>
+              <a:t>4873 </a:t>
+            </a:r>
+            <a:r>
+              <a:rPr lang="en-US" sz="4800" b="1" dirty="0" smtClean="0"/>
+              <a:t>Models</a:t>
+            </a:r>
+          </a:p>
+          <a:p>
+            <a:pPr algn="ctr"/>
+            <a:r>
+              <a:rPr lang="en-US" sz="4800" b="1" dirty="0" smtClean="0"/>
+              <a:t>HNI_LNE_HIS_HES</a:t>
+            </a:r>
+            <a:endParaRPr lang="en-US" sz="4800" b="1" dirty="0"/>
           </a:p>
         </p:txBody>
       </p:sp>
@@ -4536,7 +4679,7 @@
         <p:spPr>
           <a:xfrm>
             <a:off x="21626034" y="23554193"/>
-            <a:ext cx="5537157" cy="2308324"/>
+            <a:ext cx="5537157" cy="3046988"/>
           </a:xfrm>
           <a:prstGeom prst="rect">
             <a:avLst/>
@@ -4576,7 +4719,18 @@
             <a:pPr algn="ctr"/>
             <a:r>
               <a:rPr lang="en-US" sz="4800" b="1" dirty="0" smtClean="0"/>
-              <a:t>3407 Models</a:t>
+              <a:t>3407 </a:t>
+            </a:r>
+            <a:r>
+              <a:rPr lang="en-US" sz="4800" b="1" dirty="0" smtClean="0"/>
+              <a:t>Models</a:t>
+            </a:r>
+          </a:p>
+          <a:p>
+            <a:pPr algn="ctr"/>
+            <a:r>
+              <a:rPr lang="en-US" sz="4800" b="1" dirty="0" smtClean="0"/>
+              <a:t>HNI_LNE_HIS_LES</a:t>
             </a:r>
             <a:endParaRPr lang="en-US" sz="4800" b="1" dirty="0"/>
           </a:p>
@@ -4591,7 +4745,7 @@
         <p:spPr>
           <a:xfrm>
             <a:off x="15027033" y="23554193"/>
-            <a:ext cx="5452647" cy="2308324"/>
+            <a:ext cx="5452647" cy="3046988"/>
           </a:xfrm>
           <a:prstGeom prst="rect">
             <a:avLst/>
@@ -4631,7 +4785,22 @@
             <a:pPr algn="ctr"/>
             <a:r>
               <a:rPr lang="en-US" sz="4800" b="1" dirty="0" smtClean="0"/>
-              <a:t>5263 Models</a:t>
+              <a:t>5263 </a:t>
+            </a:r>
+            <a:r>
+              <a:rPr lang="en-US" sz="4800" b="1" dirty="0" smtClean="0"/>
+              <a:t>Models</a:t>
+            </a:r>
+          </a:p>
+          <a:p>
+            <a:pPr algn="ctr"/>
+            <a:r>
+              <a:rPr lang="en-US" sz="4800" b="1" dirty="0"/>
+              <a:t>H</a:t>
+            </a:r>
+            <a:r>
+              <a:rPr lang="en-US" sz="4800" b="1" dirty="0" smtClean="0"/>
+              <a:t>NI_LNE_LIS_LES</a:t>
             </a:r>
             <a:endParaRPr lang="en-US" sz="4800" b="1" dirty="0"/>
           </a:p>
@@ -4646,7 +4815,7 @@
         <p:spPr>
           <a:xfrm>
             <a:off x="15012259" y="16840053"/>
-            <a:ext cx="5565498" cy="2308324"/>
+            <a:ext cx="5565498" cy="3046988"/>
           </a:xfrm>
           <a:prstGeom prst="rect">
             <a:avLst/>
@@ -4686,8 +4855,20 @@
             <a:pPr algn="ctr"/>
             <a:r>
               <a:rPr lang="en-US" sz="4800" b="1" dirty="0"/>
-              <a:t>2399 Models</a:t>
-            </a:r>
+              <a:t>2399 </a:t>
+            </a:r>
+            <a:r>
+              <a:rPr lang="en-US" sz="4800" b="1" dirty="0" smtClean="0"/>
+              <a:t>Models</a:t>
+            </a:r>
+          </a:p>
+          <a:p>
+            <a:pPr algn="ctr"/>
+            <a:r>
+              <a:rPr lang="en-US" sz="4800" b="1" dirty="0" smtClean="0"/>
+              <a:t>HNI_LNE_LIS_HES</a:t>
+            </a:r>
+            <a:endParaRPr lang="en-US" sz="4800" b="1" dirty="0"/>
           </a:p>
         </p:txBody>
       </p:sp>

--- a/HC_DB_Analyses/HC_DB_Numbers_Reversed/SDprox1PoolSchematic_init.pptx
+++ b/HC_DB_Analyses/HC_DB_Numbers_Reversed/SDprox1PoolSchematic_init.pptx
@@ -243,7 +243,7 @@
           <a:p>
             <a:fld id="{13B4EEC1-59A0-6147-A616-EE74AE21FFF0}" type="datetimeFigureOut">
               <a:rPr lang="en-US" smtClean="0"/>
-              <a:t>10/21/17</a:t>
+              <a:t>1/21/18</a:t>
             </a:fld>
             <a:endParaRPr lang="en-US"/>
           </a:p>
@@ -408,7 +408,7 @@
           <a:p>
             <a:fld id="{13B4EEC1-59A0-6147-A616-EE74AE21FFF0}" type="datetimeFigureOut">
               <a:rPr lang="en-US" smtClean="0"/>
-              <a:t>10/21/17</a:t>
+              <a:t>1/21/18</a:t>
             </a:fld>
             <a:endParaRPr lang="en-US"/>
           </a:p>
@@ -583,7 +583,7 @@
           <a:p>
             <a:fld id="{13B4EEC1-59A0-6147-A616-EE74AE21FFF0}" type="datetimeFigureOut">
               <a:rPr lang="en-US" smtClean="0"/>
-              <a:t>10/21/17</a:t>
+              <a:t>1/21/18</a:t>
             </a:fld>
             <a:endParaRPr lang="en-US"/>
           </a:p>
@@ -748,7 +748,7 @@
           <a:p>
             <a:fld id="{13B4EEC1-59A0-6147-A616-EE74AE21FFF0}" type="datetimeFigureOut">
               <a:rPr lang="en-US" smtClean="0"/>
-              <a:t>10/21/17</a:t>
+              <a:t>1/21/18</a:t>
             </a:fld>
             <a:endParaRPr lang="en-US"/>
           </a:p>
@@ -987,7 +987,7 @@
           <a:p>
             <a:fld id="{13B4EEC1-59A0-6147-A616-EE74AE21FFF0}" type="datetimeFigureOut">
               <a:rPr lang="en-US" smtClean="0"/>
-              <a:t>10/21/17</a:t>
+              <a:t>1/21/18</a:t>
             </a:fld>
             <a:endParaRPr lang="en-US"/>
           </a:p>
@@ -1214,7 +1214,7 @@
           <a:p>
             <a:fld id="{13B4EEC1-59A0-6147-A616-EE74AE21FFF0}" type="datetimeFigureOut">
               <a:rPr lang="en-US" smtClean="0"/>
-              <a:t>10/21/17</a:t>
+              <a:t>1/21/18</a:t>
             </a:fld>
             <a:endParaRPr lang="en-US"/>
           </a:p>
@@ -1576,7 +1576,7 @@
           <a:p>
             <a:fld id="{13B4EEC1-59A0-6147-A616-EE74AE21FFF0}" type="datetimeFigureOut">
               <a:rPr lang="en-US" smtClean="0"/>
-              <a:t>10/21/17</a:t>
+              <a:t>1/21/18</a:t>
             </a:fld>
             <a:endParaRPr lang="en-US"/>
           </a:p>
@@ -1689,7 +1689,7 @@
           <a:p>
             <a:fld id="{13B4EEC1-59A0-6147-A616-EE74AE21FFF0}" type="datetimeFigureOut">
               <a:rPr lang="en-US" smtClean="0"/>
-              <a:t>10/21/17</a:t>
+              <a:t>1/21/18</a:t>
             </a:fld>
             <a:endParaRPr lang="en-US"/>
           </a:p>
@@ -1779,7 +1779,7 @@
           <a:p>
             <a:fld id="{13B4EEC1-59A0-6147-A616-EE74AE21FFF0}" type="datetimeFigureOut">
               <a:rPr lang="en-US" smtClean="0"/>
-              <a:t>10/21/17</a:t>
+              <a:t>1/21/18</a:t>
             </a:fld>
             <a:endParaRPr lang="en-US"/>
           </a:p>
@@ -2051,7 +2051,7 @@
           <a:p>
             <a:fld id="{13B4EEC1-59A0-6147-A616-EE74AE21FFF0}" type="datetimeFigureOut">
               <a:rPr lang="en-US" smtClean="0"/>
-              <a:t>10/21/17</a:t>
+              <a:t>1/21/18</a:t>
             </a:fld>
             <a:endParaRPr lang="en-US"/>
           </a:p>
@@ -2303,7 +2303,7 @@
           <a:p>
             <a:fld id="{13B4EEC1-59A0-6147-A616-EE74AE21FFF0}" type="datetimeFigureOut">
               <a:rPr lang="en-US" smtClean="0"/>
-              <a:t>10/21/17</a:t>
+              <a:t>1/21/18</a:t>
             </a:fld>
             <a:endParaRPr lang="en-US"/>
           </a:p>
@@ -2511,7 +2511,7 @@
           <a:p>
             <a:fld id="{13B4EEC1-59A0-6147-A616-EE74AE21FFF0}" type="datetimeFigureOut">
               <a:rPr lang="en-US" smtClean="0"/>
-              <a:t>10/21/17</a:t>
+              <a:t>1/21/18</a:t>
             </a:fld>
             <a:endParaRPr lang="en-US"/>
           </a:p>
@@ -3744,8 +3744,8 @@
         </p:nvSpPr>
         <p:spPr>
           <a:xfrm>
-            <a:off x="10293890" y="-249446"/>
-            <a:ext cx="8238474" cy="1034579"/>
+            <a:off x="8221250" y="-249446"/>
+            <a:ext cx="12241364" cy="1034579"/>
           </a:xfrm>
           <a:prstGeom prst="rect">
             <a:avLst/>
@@ -3760,7 +3760,15 @@
           <a:p>
             <a:r>
               <a:rPr lang="en-US" b="1" dirty="0" smtClean="0"/>
-              <a:t>High Excitatory Synapses</a:t>
+              <a:t>High </a:t>
+            </a:r>
+            <a:r>
+              <a:rPr lang="en-US" b="1" smtClean="0"/>
+              <a:t>Numbers of Excitatory </a:t>
+            </a:r>
+            <a:r>
+              <a:rPr lang="en-US" b="1" dirty="0" smtClean="0"/>
+              <a:t>Synapses</a:t>
             </a:r>
             <a:endParaRPr lang="en-US" b="1" dirty="0"/>
           </a:p>
@@ -3774,8 +3782,8 @@
         </p:nvSpPr>
         <p:spPr>
           <a:xfrm>
-            <a:off x="10365078" y="27685290"/>
-            <a:ext cx="8095037" cy="1034579"/>
+            <a:off x="8353398" y="27685290"/>
+            <a:ext cx="12097927" cy="1034579"/>
           </a:xfrm>
           <a:prstGeom prst="rect">
             <a:avLst/>
@@ -3790,7 +3798,15 @@
           <a:p>
             <a:r>
               <a:rPr lang="en-US" b="1" dirty="0" smtClean="0"/>
-              <a:t>Low Excitatory Synapses</a:t>
+              <a:t>Low </a:t>
+            </a:r>
+            <a:r>
+              <a:rPr lang="en-US" b="1" smtClean="0"/>
+              <a:t>Numbers of Excitatory </a:t>
+            </a:r>
+            <a:r>
+              <a:rPr lang="en-US" b="1" dirty="0" smtClean="0"/>
+              <a:t>Synapses</a:t>
             </a:r>
             <a:endParaRPr lang="en-US" b="1" dirty="0"/>
           </a:p>
@@ -3803,9 +3819,9 @@
           <p:nvPr/>
         </p:nvSpPr>
         <p:spPr>
-          <a:xfrm rot="5400000">
-            <a:off x="24345447" y="13798499"/>
-            <a:ext cx="8204105" cy="1034579"/>
+          <a:xfrm rot="16200000">
+            <a:off x="22283044" y="13798499"/>
+            <a:ext cx="12206996" cy="1034579"/>
           </a:xfrm>
           <a:prstGeom prst="rect">
             <a:avLst/>
@@ -3820,7 +3836,7 @@
           <a:p>
             <a:r>
               <a:rPr lang="en-US" b="1" dirty="0" smtClean="0"/>
-              <a:t>High Inhibitory Synapses</a:t>
+              <a:t>High Numbers of Inhibitory Synapses</a:t>
             </a:r>
             <a:endParaRPr lang="en-US" b="1" dirty="0"/>
           </a:p>
@@ -3834,8 +3850,8 @@
         </p:nvSpPr>
         <p:spPr>
           <a:xfrm rot="16200000">
-            <a:off x="-3660851" y="13789535"/>
-            <a:ext cx="8060668" cy="1034579"/>
+            <a:off x="-5662294" y="13789535"/>
+            <a:ext cx="12063559" cy="1034579"/>
           </a:xfrm>
           <a:prstGeom prst="rect">
             <a:avLst/>
@@ -3850,7 +3866,7 @@
           <a:p>
             <a:r>
               <a:rPr lang="en-US" b="1" dirty="0" smtClean="0"/>
-              <a:t>Low Inhibitory Synapses</a:t>
+              <a:t>Low Numbers of Inhibitory Synapses</a:t>
             </a:r>
             <a:endParaRPr lang="en-US" b="1" dirty="0"/>
           </a:p>
@@ -3895,11 +3911,7 @@
             <a:pPr algn="ctr"/>
             <a:r>
               <a:rPr lang="en-US" sz="4800" b="1" dirty="0" smtClean="0"/>
-              <a:t>0 </a:t>
-            </a:r>
-            <a:r>
-              <a:rPr lang="en-US" sz="4800" b="1" dirty="0" smtClean="0"/>
-              <a:t>Models</a:t>
+              <a:t>0 Models</a:t>
             </a:r>
           </a:p>
           <a:p>
@@ -3961,11 +3973,7 @@
             <a:pPr algn="ctr"/>
             <a:r>
               <a:rPr lang="en-US" sz="4800" b="1" dirty="0" smtClean="0"/>
-              <a:t>1708 </a:t>
-            </a:r>
-            <a:r>
-              <a:rPr lang="en-US" sz="4800" b="1" dirty="0" smtClean="0"/>
-              <a:t>Models</a:t>
+              <a:t>1708 Models</a:t>
             </a:r>
           </a:p>
           <a:p>
@@ -4027,11 +4035,7 @@
             <a:pPr algn="ctr"/>
             <a:r>
               <a:rPr lang="en-US" sz="4800" b="1" dirty="0" smtClean="0"/>
-              <a:t>71 </a:t>
-            </a:r>
-            <a:r>
-              <a:rPr lang="en-US" sz="4800" b="1" dirty="0" smtClean="0"/>
-              <a:t>Models</a:t>
+              <a:t>71 Models</a:t>
             </a:r>
           </a:p>
           <a:p>
@@ -4083,11 +4087,7 @@
             <a:pPr algn="ctr"/>
             <a:r>
               <a:rPr lang="en-US" sz="4800" b="1" dirty="0" smtClean="0"/>
-              <a:t>0 </a:t>
-            </a:r>
-            <a:r>
-              <a:rPr lang="en-US" sz="4800" b="1" dirty="0" smtClean="0"/>
-              <a:t>Models</a:t>
+              <a:t>0 Models</a:t>
             </a:r>
           </a:p>
           <a:p>
@@ -4139,11 +4139,7 @@
             <a:pPr algn="ctr"/>
             <a:r>
               <a:rPr lang="en-US" sz="4800" b="1" dirty="0" smtClean="0"/>
-              <a:t>289 </a:t>
-            </a:r>
-            <a:r>
-              <a:rPr lang="en-US" sz="4800" b="1" dirty="0" smtClean="0"/>
-              <a:t>Models</a:t>
+              <a:t>289 Models</a:t>
             </a:r>
           </a:p>
           <a:p>
@@ -4205,11 +4201,7 @@
             <a:pPr algn="ctr"/>
             <a:r>
               <a:rPr lang="en-US" sz="4800" b="1" dirty="0" smtClean="0"/>
-              <a:t>6458 </a:t>
-            </a:r>
-            <a:r>
-              <a:rPr lang="en-US" sz="4800" b="1" dirty="0" smtClean="0"/>
-              <a:t>Models</a:t>
+              <a:t>6458 Models</a:t>
             </a:r>
           </a:p>
           <a:p>
@@ -4271,11 +4263,7 @@
             <a:pPr algn="ctr"/>
             <a:r>
               <a:rPr lang="en-US" sz="4800" b="1" dirty="0" smtClean="0"/>
-              <a:t>2275 </a:t>
-            </a:r>
-            <a:r>
-              <a:rPr lang="en-US" sz="4800" b="1" dirty="0" smtClean="0"/>
-              <a:t>Models</a:t>
+              <a:t>2275 Models</a:t>
             </a:r>
           </a:p>
           <a:p>
@@ -4327,11 +4315,7 @@
             <a:pPr algn="ctr"/>
             <a:r>
               <a:rPr lang="en-US" sz="4800" b="1" dirty="0" smtClean="0"/>
-              <a:t>0 </a:t>
-            </a:r>
-            <a:r>
-              <a:rPr lang="en-US" sz="4800" b="1" dirty="0" smtClean="0"/>
-              <a:t>Models</a:t>
+              <a:t>0 Models</a:t>
             </a:r>
           </a:p>
           <a:p>
@@ -4521,11 +4505,7 @@
             <a:pPr algn="ctr"/>
             <a:r>
               <a:rPr lang="en-US" sz="4800" b="1" dirty="0" smtClean="0"/>
-              <a:t>3648 </a:t>
-            </a:r>
-            <a:r>
-              <a:rPr lang="en-US" sz="4800" b="1" dirty="0" smtClean="0"/>
-              <a:t>Models</a:t>
+              <a:t>3648 Models</a:t>
             </a:r>
           </a:p>
           <a:p>
@@ -4719,11 +4699,7 @@
             <a:pPr algn="ctr"/>
             <a:r>
               <a:rPr lang="en-US" sz="4800" b="1" dirty="0" smtClean="0"/>
-              <a:t>3407 </a:t>
-            </a:r>
-            <a:r>
-              <a:rPr lang="en-US" sz="4800" b="1" dirty="0" smtClean="0"/>
-              <a:t>Models</a:t>
+              <a:t>3407 Models</a:t>
             </a:r>
           </a:p>
           <a:p>
@@ -4785,11 +4761,7 @@
             <a:pPr algn="ctr"/>
             <a:r>
               <a:rPr lang="en-US" sz="4800" b="1" dirty="0" smtClean="0"/>
-              <a:t>5263 </a:t>
-            </a:r>
-            <a:r>
-              <a:rPr lang="en-US" sz="4800" b="1" dirty="0" smtClean="0"/>
-              <a:t>Models</a:t>
+              <a:t>5263 Models</a:t>
             </a:r>
           </a:p>
           <a:p>
